--- a/Requirements/Presentations/GreenSheets OGA presentation_version 3.pptx
+++ b/Requirements/Presentations/GreenSheets OGA presentation_version 3.pptx
@@ -8263,7 +8263,7 @@
               </a14:hiddenLine>
             </a:ext>
             <a:ext uri="{FAA26D3D-D897-4be2-8F04-BA451C77F1D7}">
-              <ma14:placeholderFlag xmlns:ma14="http://schemas.microsoft.com/office/mac/drawingml/2011/main" xmlns="" val="1"/>
+              <ma14:placeholderFlag xmlns="" xmlns:ma14="http://schemas.microsoft.com/office/mac/drawingml/2011/main" val="1"/>
             </a:ext>
           </a:extLst>
         </p:spPr>
@@ -8326,7 +8326,7 @@
               </a14:hiddenLine>
             </a:ext>
             <a:ext uri="{FAA26D3D-D897-4be2-8F04-BA451C77F1D7}">
-              <ma14:placeholderFlag xmlns:ma14="http://schemas.microsoft.com/office/mac/drawingml/2011/main" xmlns="" val="1"/>
+              <ma14:placeholderFlag xmlns="" xmlns:ma14="http://schemas.microsoft.com/office/mac/drawingml/2011/main" val="1"/>
             </a:ext>
           </a:extLst>
         </p:spPr>
@@ -9241,13 +9241,16 @@
             </a:pPr>
             <a:r>
               <a:rPr lang="en-US" sz="2000" dirty="0"/>
-              <a:t>Provide overview of the </a:t>
+              <a:t>Provide overview of the CBIIT understanding of the </a:t>
+            </a:r>
+            <a:r>
+              <a:rPr lang="en-US" sz="2000" dirty="0" smtClean="0"/>
+              <a:t>scope, that should be confirmed </a:t>
             </a:r>
             <a:r>
               <a:rPr lang="en-US" sz="2000" dirty="0"/>
-              <a:t>CBIIT understanding of the scope to be confirmed by OGA</a:t>
-            </a:r>
-            <a:endParaRPr lang="en-US" sz="2000" dirty="0"/>
+              <a:t>by OGA</a:t>
+            </a:r>
           </a:p>
           <a:p>
             <a:pPr lvl="1" indent="-457200">
@@ -9259,11 +9262,7 @@
             </a:pPr>
             <a:r>
               <a:rPr lang="en-US" sz="2000" dirty="0" smtClean="0"/>
-              <a:t>Describe proposed </a:t>
-            </a:r>
-            <a:r>
-              <a:rPr lang="en-US" sz="2000" dirty="0" smtClean="0"/>
-              <a:t>high level plan</a:t>
+              <a:t>Describe proposed high level plan</a:t>
             </a:r>
           </a:p>
           <a:p>
@@ -9276,15 +9275,7 @@
             </a:pPr>
             <a:r>
               <a:rPr lang="en-US" sz="2000" dirty="0"/>
-              <a:t>Discuss examples </a:t>
-            </a:r>
-            <a:r>
-              <a:rPr lang="en-US" sz="2000" dirty="0"/>
-              <a:t>of </a:t>
-            </a:r>
-            <a:r>
-              <a:rPr lang="en-US" sz="2000" dirty="0"/>
-              <a:t>potential </a:t>
+              <a:t>Discuss examples of potential </a:t>
             </a:r>
             <a:r>
               <a:rPr lang="en-US" sz="2000" dirty="0" smtClean="0"/>
@@ -9455,7 +9446,15 @@
           <a:p>
             <a:r>
               <a:rPr lang="en-US" dirty="0" smtClean="0"/>
-              <a:t>Enhance search capabilities, e.g. user-friendly dashboard to easily access the grants and the underlying </a:t>
+              <a:t>Enhance search </a:t>
+            </a:r>
+            <a:r>
+              <a:rPr lang="en-US" dirty="0" smtClean="0"/>
+              <a:t>capabilities (e.g</a:t>
+            </a:r>
+            <a:r>
+              <a:rPr lang="en-US" dirty="0" smtClean="0"/>
+              <a:t>. user-friendly dashboard to easily access the grants and the underlying </a:t>
             </a:r>
             <a:r>
               <a:rPr lang="en-US" dirty="0" err="1" smtClean="0"/>
@@ -9463,19 +9462,45 @@
             </a:r>
             <a:r>
               <a:rPr lang="en-US" dirty="0" smtClean="0"/>
-              <a:t> and also to help visualize some of the key metrics</a:t>
-            </a:r>
-          </a:p>
-          <a:p>
+              <a:t> and also to help visualize some of the key </a:t>
+            </a:r>
             <a:r>
               <a:rPr lang="en-US" dirty="0" smtClean="0"/>
-              <a:t>UI modernization and usability, e.g. adding a link to policy to each or some questions</a:t>
-            </a:r>
+              <a:t>metrics)</a:t>
+            </a:r>
+            <a:endParaRPr lang="en-US" dirty="0" smtClean="0"/>
           </a:p>
           <a:p>
             <a:r>
               <a:rPr lang="en-US" dirty="0" smtClean="0"/>
-              <a:t>Possible changes to streamline the flow, e.g. open </a:t>
+              <a:t>UI modernization and </a:t>
+            </a:r>
+            <a:r>
+              <a:rPr lang="en-US" dirty="0" smtClean="0"/>
+              <a:t>usability (e.g</a:t>
+            </a:r>
+            <a:r>
+              <a:rPr lang="en-US" dirty="0" smtClean="0"/>
+              <a:t>. adding a link to policy to each or some </a:t>
+            </a:r>
+            <a:r>
+              <a:rPr lang="en-US" dirty="0" smtClean="0"/>
+              <a:t>questions)</a:t>
+            </a:r>
+            <a:endParaRPr lang="en-US" dirty="0" smtClean="0"/>
+          </a:p>
+          <a:p>
+            <a:r>
+              <a:rPr lang="en-US" dirty="0" smtClean="0"/>
+              <a:t>Possible changes to streamline the </a:t>
+            </a:r>
+            <a:r>
+              <a:rPr lang="en-US" dirty="0" smtClean="0"/>
+              <a:t>flow (e.g</a:t>
+            </a:r>
+            <a:r>
+              <a:rPr lang="en-US" dirty="0" smtClean="0"/>
+              <a:t>. open </a:t>
             </a:r>
             <a:r>
               <a:rPr lang="en-US" dirty="0" err="1" smtClean="0"/>
@@ -9483,8 +9508,13 @@
             </a:r>
             <a:r>
               <a:rPr lang="en-US" dirty="0" smtClean="0"/>
-              <a:t> in the same browser window </a:t>
-            </a:r>
+              <a:t> in the same browser </a:t>
+            </a:r>
+            <a:r>
+              <a:rPr lang="en-US" dirty="0" smtClean="0"/>
+              <a:t>window) </a:t>
+            </a:r>
+            <a:endParaRPr lang="en-US" dirty="0" smtClean="0"/>
           </a:p>
           <a:p>
             <a:pPr marL="228600" lvl="3"/>
@@ -9508,7 +9538,15 @@
             <a:pPr marL="228600" lvl="3"/>
             <a:r>
               <a:rPr lang="en-US" sz="2000" dirty="0" smtClean="0"/>
-              <a:t>Provide ability to OGA to test the submission of </a:t>
+              <a:t>Provide ability </a:t>
+            </a:r>
+            <a:r>
+              <a:rPr lang="en-US" sz="2000" dirty="0" smtClean="0"/>
+              <a:t>to </a:t>
+            </a:r>
+            <a:r>
+              <a:rPr lang="en-US" sz="2000" dirty="0" smtClean="0"/>
+              <a:t>test the submission of </a:t>
             </a:r>
             <a:r>
               <a:rPr lang="en-US" sz="2000" dirty="0" err="1" smtClean="0"/>
@@ -9580,19 +9618,7 @@
                   </a:outerShdw>
                 </a:effectLst>
               </a:rPr>
-              <a:t>Proposed </a:t>
-            </a:r>
-            <a:r>
-              <a:rPr lang="en-US" b="1" dirty="0" smtClean="0">
-                <a:effectLst>
-                  <a:outerShdw blurRad="38100" dist="38100" dir="2700000" algn="tl">
-                    <a:srgbClr val="000000">
-                      <a:alpha val="43137"/>
-                    </a:srgbClr>
-                  </a:outerShdw>
-                </a:effectLst>
-              </a:rPr>
-              <a:t>High Level Plan</a:t>
+              <a:t>Proposed High Level Plan</a:t>
             </a:r>
             <a:endParaRPr lang="en-US" b="1" dirty="0">
               <a:effectLst>
@@ -9615,14 +9641,14 @@
           <p:nvPr>
             <p:extLst>
               <p:ext uri="{D42A27DB-BD31-4B8C-83A1-F6EECF244321}">
-                <p14:modId xmlns:p14="http://schemas.microsoft.com/office/powerpoint/2010/main" val="2736891657"/>
+                <p14:modId xmlns:p14="http://schemas.microsoft.com/office/powerpoint/2010/main" val="2888226713"/>
               </p:ext>
             </p:extLst>
           </p:nvPr>
         </p:nvGraphicFramePr>
         <p:xfrm>
-          <a:off x="762000" y="1590966"/>
-          <a:ext cx="7696200" cy="4537620"/>
+          <a:off x="762000" y="1727238"/>
+          <a:ext cx="7620000" cy="4024280"/>
         </p:xfrm>
         <a:graphic>
           <a:graphicData uri="http://schemas.openxmlformats.org/drawingml/2006/table">
@@ -9631,29 +9657,22 @@
                 <a:tableStyleId>{00A15C55-8517-42AA-B614-E9B94910E393}</a:tableStyleId>
               </a:tblPr>
               <a:tblGrid>
-                <a:gridCol w="2819400">
+                <a:gridCol w="3356429">
                   <a:extLst>
                     <a:ext uri="{9D8B030D-6E8A-4147-A177-3AD203B41FA5}">
                       <a16:colId xmlns:a16="http://schemas.microsoft.com/office/drawing/2014/main" val="3221469317"/>
                     </a:ext>
                   </a:extLst>
                 </a:gridCol>
-                <a:gridCol w="3581400">
+                <a:gridCol w="4263571">
                   <a:extLst>
                     <a:ext uri="{9D8B030D-6E8A-4147-A177-3AD203B41FA5}">
                       <a16:colId xmlns:a16="http://schemas.microsoft.com/office/drawing/2014/main" val="16879550"/>
                     </a:ext>
                   </a:extLst>
                 </a:gridCol>
-                <a:gridCol w="1295400">
-                  <a:extLst>
-                    <a:ext uri="{9D8B030D-6E8A-4147-A177-3AD203B41FA5}">
-                      <a16:colId xmlns:a16="http://schemas.microsoft.com/office/drawing/2014/main" val="3984403191"/>
-                    </a:ext>
-                  </a:extLst>
-                </a:gridCol>
               </a:tblGrid>
-              <a:tr h="556469">
+              <a:tr h="539437">
                 <a:tc>
                   <a:txBody>
                     <a:bodyPr/>
@@ -9682,27 +9701,13 @@
                   </a:txBody>
                   <a:tcPr/>
                 </a:tc>
-                <a:tc>
-                  <a:txBody>
-                    <a:bodyPr/>
-                    <a:lstStyle/>
-                    <a:p>
-                      <a:r>
-                        <a:rPr lang="en-US" dirty="0" smtClean="0"/>
-                        <a:t>LOE</a:t>
-                      </a:r>
-                      <a:endParaRPr lang="en-US" dirty="0"/>
-                    </a:p>
-                  </a:txBody>
-                  <a:tcPr/>
-                </a:tc>
                 <a:extLst>
                   <a:ext uri="{0D108BD9-81ED-4DB2-BD59-A6C34878D82A}">
                     <a16:rowId xmlns:a16="http://schemas.microsoft.com/office/drawing/2014/main" val="3022533963"/>
                   </a:ext>
                 </a:extLst>
               </a:tr>
-              <a:tr h="896170">
+              <a:tr h="868740">
                 <a:tc>
                   <a:txBody>
                     <a:bodyPr/>
@@ -9739,23 +9744,13 @@
                   </a:txBody>
                   <a:tcPr/>
                 </a:tc>
-                <a:tc>
-                  <a:txBody>
-                    <a:bodyPr/>
-                    <a:lstStyle/>
-                    <a:p>
-                      <a:endParaRPr lang="en-US" sz="1200" dirty="0"/>
-                    </a:p>
-                  </a:txBody>
-                  <a:tcPr/>
-                </a:tc>
                 <a:extLst>
                   <a:ext uri="{0D108BD9-81ED-4DB2-BD59-A6C34878D82A}">
                     <a16:rowId xmlns:a16="http://schemas.microsoft.com/office/drawing/2014/main" val="445770068"/>
                   </a:ext>
                 </a:extLst>
               </a:tr>
-              <a:tr h="554645">
+              <a:tr h="537668">
                 <a:tc>
                   <a:txBody>
                     <a:bodyPr/>
@@ -9780,11 +9775,7 @@
                       </a:pPr>
                       <a:r>
                         <a:rPr lang="en-US" sz="1200" dirty="0" smtClean="0"/>
-                        <a:t>Upgrade technology </a:t>
-                      </a:r>
-                      <a:r>
-                        <a:rPr lang="en-US" sz="1200" dirty="0" smtClean="0"/>
-                        <a:t>stack</a:t>
+                        <a:t>Upgrade technology stack</a:t>
                       </a:r>
                       <a:endParaRPr lang="en-US" sz="1200" dirty="0"/>
                     </a:p>
@@ -9844,40 +9835,13 @@
                   </a:txBody>
                   <a:tcPr/>
                 </a:tc>
-                <a:tc>
-                  <a:txBody>
-                    <a:bodyPr/>
-                    <a:lstStyle/>
-                    <a:p>
-                      <a:pPr marL="0" lvl="3" indent="-228600" fontAlgn="auto">
-                        <a:spcBef>
-                          <a:spcPts val="0"/>
-                        </a:spcBef>
-                        <a:spcAft>
-                          <a:spcPts val="0"/>
-                        </a:spcAft>
-                        <a:buClrTx/>
-                        <a:defRPr/>
-                      </a:pPr>
-                      <a:endParaRPr lang="en-US" sz="1200" kern="1200" dirty="0" smtClean="0">
-                        <a:solidFill>
-                          <a:schemeClr val="dk1"/>
-                        </a:solidFill>
-                        <a:latin typeface="+mn-lt"/>
-                        <a:ea typeface="+mn-ea"/>
-                        <a:cs typeface="+mn-cs"/>
-                      </a:endParaRPr>
-                    </a:p>
-                  </a:txBody>
-                  <a:tcPr/>
-                </a:tc>
                 <a:extLst>
                   <a:ext uri="{0D108BD9-81ED-4DB2-BD59-A6C34878D82A}">
                     <a16:rowId xmlns:a16="http://schemas.microsoft.com/office/drawing/2014/main" val="1828372909"/>
                   </a:ext>
                 </a:extLst>
               </a:tr>
-              <a:tr h="1228141">
+              <a:tr h="898917">
                 <a:tc>
                   <a:txBody>
                     <a:bodyPr/>
@@ -9926,11 +9890,7 @@
                       </a:r>
                       <a:r>
                         <a:rPr lang="en-US" sz="1200" dirty="0" smtClean="0"/>
-                        <a:t>search </a:t>
-                      </a:r>
-                      <a:r>
-                        <a:rPr lang="en-US" sz="1200" dirty="0" smtClean="0"/>
-                        <a:t>capabilities</a:t>
+                        <a:t>search capabilities</a:t>
                       </a:r>
                       <a:endParaRPr lang="en-US" sz="1200" dirty="0"/>
                     </a:p>
@@ -9981,53 +9941,8 @@
                           <a:ea typeface="+mn-ea"/>
                           <a:cs typeface="+mn-cs"/>
                         </a:rPr>
-                        <a:t>Example: add </a:t>
+                        <a:t>Example: add a link to policy for each or some questions.</a:t>
                       </a:r>
-                      <a:r>
-                        <a:rPr lang="en-US" sz="1200" kern="1200" dirty="0" smtClean="0">
-                          <a:solidFill>
-                            <a:schemeClr val="dk1"/>
-                          </a:solidFill>
-                          <a:latin typeface="+mn-lt"/>
-                          <a:ea typeface="+mn-ea"/>
-                          <a:cs typeface="+mn-cs"/>
-                        </a:rPr>
-                        <a:t>a link to policy for each or some questions.</a:t>
-                      </a:r>
-                      <a:endParaRPr lang="en-US" sz="1200" kern="1200" dirty="0">
-                        <a:solidFill>
-                          <a:schemeClr val="dk1"/>
-                        </a:solidFill>
-                        <a:latin typeface="+mn-lt"/>
-                        <a:ea typeface="+mn-ea"/>
-                        <a:cs typeface="+mn-cs"/>
-                      </a:endParaRPr>
-                    </a:p>
-                  </a:txBody>
-                  <a:tcPr/>
-                </a:tc>
-                <a:tc>
-                  <a:txBody>
-                    <a:bodyPr/>
-                    <a:lstStyle/>
-                    <a:p>
-                      <a:pPr marL="0" marR="0" lvl="4" indent="0" algn="l" defTabSz="457200" rtl="0" eaLnBrk="1" fontAlgn="auto" latinLnBrk="0" hangingPunct="1">
-                        <a:lnSpc>
-                          <a:spcPct val="100000"/>
-                        </a:lnSpc>
-                        <a:spcBef>
-                          <a:spcPts val="0"/>
-                        </a:spcBef>
-                        <a:spcAft>
-                          <a:spcPts val="0"/>
-                        </a:spcAft>
-                        <a:buClrTx/>
-                        <a:buSzTx/>
-                        <a:buFontTx/>
-                        <a:buNone/>
-                        <a:tabLst/>
-                        <a:defRPr/>
-                      </a:pPr>
                       <a:endParaRPr lang="en-US" sz="1200" kern="1200" dirty="0">
                         <a:solidFill>
                           <a:schemeClr val="dk1"/>
@@ -10046,7 +9961,7 @@
                   </a:ext>
                 </a:extLst>
               </a:tr>
-              <a:tr h="660291">
+              <a:tr h="640081">
                 <a:tc>
                   <a:txBody>
                     <a:bodyPr/>
@@ -10100,30 +10015,13 @@
                   </a:txBody>
                   <a:tcPr/>
                 </a:tc>
-                <a:tc>
-                  <a:txBody>
-                    <a:bodyPr/>
-                    <a:lstStyle/>
-                    <a:p>
-                      <a:endParaRPr lang="en-US" sz="1200" kern="1200" dirty="0">
-                        <a:solidFill>
-                          <a:schemeClr val="dk1"/>
-                        </a:solidFill>
-                        <a:latin typeface="+mn-lt"/>
-                        <a:ea typeface="+mn-ea"/>
-                        <a:cs typeface="+mn-cs"/>
-                      </a:endParaRPr>
-                    </a:p>
-                  </a:txBody>
-                  <a:tcPr/>
-                </a:tc>
                 <a:extLst>
                   <a:ext uri="{0D108BD9-81ED-4DB2-BD59-A6C34878D82A}">
                     <a16:rowId xmlns:a16="http://schemas.microsoft.com/office/drawing/2014/main" val="2509235077"/>
                   </a:ext>
                 </a:extLst>
               </a:tr>
-              <a:tr h="556469">
+              <a:tr h="539437">
                 <a:tc>
                   <a:txBody>
                     <a:bodyPr/>
@@ -10148,11 +10046,7 @@
                       </a:pPr>
                       <a:r>
                         <a:rPr lang="en-US" sz="1200" dirty="0" smtClean="0"/>
-                        <a:t>Provide reporting </a:t>
-                      </a:r>
-                      <a:r>
-                        <a:rPr lang="en-US" sz="1200" dirty="0" smtClean="0"/>
-                        <a:t>capabilities</a:t>
+                        <a:t>Provide reporting capabilities</a:t>
                       </a:r>
                       <a:endParaRPr lang="en-US" sz="1200" dirty="0"/>
                     </a:p>
@@ -10172,16 +10066,6 @@
                         <a:rPr lang="en-US" sz="1200" baseline="0" dirty="0" smtClean="0"/>
                         <a:t> necessary if OGA will use other tools for reporting purposes</a:t>
                       </a:r>
-                      <a:endParaRPr lang="en-US" sz="1200" dirty="0"/>
-                    </a:p>
-                  </a:txBody>
-                  <a:tcPr/>
-                </a:tc>
-                <a:tc>
-                  <a:txBody>
-                    <a:bodyPr/>
-                    <a:lstStyle/>
-                    <a:p>
                       <a:endParaRPr lang="en-US" sz="1200" dirty="0"/>
                     </a:p>
                   </a:txBody>
@@ -10225,17 +10109,8 @@
             </a:r>
             <a:r>
               <a:rPr lang="en-US" sz="1600" dirty="0"/>
-              <a:t>table below covers only </a:t>
-            </a:r>
-            <a:r>
-              <a:rPr lang="en-US" sz="1600" dirty="0"/>
-              <a:t>CBIIT understanding of the </a:t>
-            </a:r>
-            <a:r>
-              <a:rPr lang="en-US" sz="1600" dirty="0"/>
-              <a:t>scope without any potential additional business enhancements </a:t>
-            </a:r>
-            <a:endParaRPr lang="en-US" sz="1600" dirty="0"/>
+              <a:t>table below covers only CBIIT understanding of the scope without any potential additional business enhancements </a:t>
+            </a:r>
           </a:p>
         </p:txBody>
       </p:sp>
@@ -11862,18 +11737,18 @@
 </file>
 
 <file path=customXml/item2.xml><?xml version="1.0" encoding="utf-8"?>
-<p:properties xmlns:p="http://schemas.microsoft.com/office/2006/metadata/properties" xmlns:xsi="http://www.w3.org/2001/XMLSchema-instance">
-  <documentManagement/>
-</p:properties>
-</file>
-
-<file path=customXml/item3.xml><?xml version="1.0" encoding="utf-8"?>
 <?mso-contentType ?>
 <FormTemplates xmlns="http://schemas.microsoft.com/sharepoint/v3/contenttype/forms">
   <Display>DocumentLibraryForm</Display>
   <Edit>DocumentLibraryForm</Edit>
   <New>DocumentLibraryForm</New>
 </FormTemplates>
+</file>
+
+<file path=customXml/item3.xml><?xml version="1.0" encoding="utf-8"?>
+<p:properties xmlns:p="http://schemas.microsoft.com/office/2006/metadata/properties" xmlns:xsi="http://www.w3.org/2001/XMLSchema-instance">
+  <documentManagement/>
+</p:properties>
 </file>
 
 <file path=customXml/itemProps1.xml><?xml version="1.0" encoding="utf-8"?>
@@ -11893,6 +11768,14 @@
 </file>
 
 <file path=customXml/itemProps2.xml><?xml version="1.0" encoding="utf-8"?>
+<ds:datastoreItem xmlns:ds="http://schemas.openxmlformats.org/officeDocument/2006/customXml" ds:itemID="{28E1A144-DA3A-434B-950F-9C912E6989E1}">
+  <ds:schemaRefs>
+    <ds:schemaRef ds:uri="http://schemas.microsoft.com/sharepoint/v3/contenttype/forms"/>
+  </ds:schemaRefs>
+</ds:datastoreItem>
+</file>
+
+<file path=customXml/itemProps3.xml><?xml version="1.0" encoding="utf-8"?>
 <ds:datastoreItem xmlns:ds="http://schemas.openxmlformats.org/officeDocument/2006/customXml" ds:itemID="{4C535039-3F37-4243-9AAC-908669651B70}">
   <ds:schemaRefs>
     <ds:schemaRef ds:uri="http://purl.org/dc/terms/"/>
@@ -11905,12 +11788,4 @@
     <ds:schemaRef ds:uri="http://purl.org/dc/elements/1.1/"/>
   </ds:schemaRefs>
 </ds:datastoreItem>
-</file>
-
-<file path=customXml/itemProps3.xml><?xml version="1.0" encoding="utf-8"?>
-<ds:datastoreItem xmlns:ds="http://schemas.openxmlformats.org/officeDocument/2006/customXml" ds:itemID="{28E1A144-DA3A-434B-950F-9C912E6989E1}">
-  <ds:schemaRefs>
-    <ds:schemaRef ds:uri="http://schemas.microsoft.com/sharepoint/v3/contenttype/forms"/>
-  </ds:schemaRefs>
-</ds:datastoreItem>
 </file>